--- a/수업교제/python_calss7.pptx
+++ b/수업교제/python_calss7.pptx
@@ -7,9 +7,11 @@
   <p:sldIdLst>
     <p:sldId id="256" r:id="rId2"/>
     <p:sldId id="258" r:id="rId3"/>
-    <p:sldId id="260" r:id="rId4"/>
-    <p:sldId id="259" r:id="rId5"/>
-    <p:sldId id="261" r:id="rId6"/>
+    <p:sldId id="263" r:id="rId4"/>
+    <p:sldId id="260" r:id="rId5"/>
+    <p:sldId id="262" r:id="rId6"/>
+    <p:sldId id="261" r:id="rId7"/>
+    <p:sldId id="264" r:id="rId8"/>
   </p:sldIdLst>
   <p:sldSz cx="12192000" cy="6858000"/>
   <p:notesSz cx="6858000" cy="9144000"/>
@@ -286,7 +288,7 @@
             <a:fld id="{87DE6118-2437-4B30-8E3C-4D2BE6020583}" type="datetimeFigureOut">
               <a:rPr lang="en-US" dirty="0"/>
               <a:pPr/>
-              <a:t>5/10/2023</a:t>
+              <a:t>5/11/2023</a:t>
             </a:fld>
             <a:endParaRPr lang="en-US" dirty="0"/>
           </a:p>
@@ -612,7 +614,7 @@
           <a:p>
             <a:fld id="{87DE6118-2437-4B30-8E3C-4D2BE6020583}" type="datetimeFigureOut">
               <a:rPr lang="en-US" dirty="0"/>
-              <a:t>5/10/2023</a:t>
+              <a:t>5/11/2023</a:t>
             </a:fld>
             <a:endParaRPr lang="en-US" dirty="0"/>
           </a:p>
@@ -787,7 +789,7 @@
           <a:p>
             <a:fld id="{87DE6118-2437-4B30-8E3C-4D2BE6020583}" type="datetimeFigureOut">
               <a:rPr lang="en-US" dirty="0"/>
-              <a:t>5/10/2023</a:t>
+              <a:t>5/11/2023</a:t>
             </a:fld>
             <a:endParaRPr lang="en-US" dirty="0"/>
           </a:p>
@@ -952,7 +954,7 @@
           <a:p>
             <a:fld id="{87DE6118-2437-4B30-8E3C-4D2BE6020583}" type="datetimeFigureOut">
               <a:rPr lang="en-US" dirty="0"/>
-              <a:t>5/10/2023</a:t>
+              <a:t>5/11/2023</a:t>
             </a:fld>
             <a:endParaRPr lang="en-US" dirty="0"/>
           </a:p>
@@ -1225,7 +1227,7 @@
             <a:fld id="{87DE6118-2437-4B30-8E3C-4D2BE6020583}" type="datetimeFigureOut">
               <a:rPr lang="en-US" dirty="0"/>
               <a:pPr/>
-              <a:t>5/10/2023</a:t>
+              <a:t>5/11/2023</a:t>
             </a:fld>
             <a:endParaRPr lang="en-US" dirty="0"/>
           </a:p>
@@ -1615,7 +1617,7 @@
           <a:p>
             <a:fld id="{87DE6118-2437-4B30-8E3C-4D2BE6020583}" type="datetimeFigureOut">
               <a:rPr lang="en-US" dirty="0"/>
-              <a:t>5/10/2023</a:t>
+              <a:t>5/11/2023</a:t>
             </a:fld>
             <a:endParaRPr lang="en-US" dirty="0"/>
           </a:p>
@@ -2087,7 +2089,7 @@
           <a:p>
             <a:fld id="{87DE6118-2437-4B30-8E3C-4D2BE6020583}" type="datetimeFigureOut">
               <a:rPr lang="en-US" dirty="0"/>
-              <a:t>5/10/2023</a:t>
+              <a:t>5/11/2023</a:t>
             </a:fld>
             <a:endParaRPr lang="en-US" dirty="0"/>
           </a:p>
@@ -2200,7 +2202,7 @@
           <a:p>
             <a:fld id="{87DE6118-2437-4B30-8E3C-4D2BE6020583}" type="datetimeFigureOut">
               <a:rPr lang="en-US" dirty="0"/>
-              <a:t>5/10/2023</a:t>
+              <a:t>5/11/2023</a:t>
             </a:fld>
             <a:endParaRPr lang="en-US" dirty="0"/>
           </a:p>
@@ -2290,7 +2292,7 @@
           <a:p>
             <a:fld id="{87DE6118-2437-4B30-8E3C-4D2BE6020583}" type="datetimeFigureOut">
               <a:rPr lang="en-US" dirty="0"/>
-              <a:t>5/10/2023</a:t>
+              <a:t>5/11/2023</a:t>
             </a:fld>
             <a:endParaRPr lang="en-US" dirty="0"/>
           </a:p>
@@ -2632,7 +2634,7 @@
             <a:fld id="{87DE6118-2437-4B30-8E3C-4D2BE6020583}" type="datetimeFigureOut">
               <a:rPr lang="en-US" dirty="0"/>
               <a:pPr/>
-              <a:t>5/10/2023</a:t>
+              <a:t>5/11/2023</a:t>
             </a:fld>
             <a:endParaRPr lang="en-US" dirty="0"/>
           </a:p>
@@ -3017,7 +3019,7 @@
             <a:fld id="{87DE6118-2437-4B30-8E3C-4D2BE6020583}" type="datetimeFigureOut">
               <a:rPr lang="en-US" dirty="0"/>
               <a:pPr/>
-              <a:t>5/10/2023</a:t>
+              <a:t>5/11/2023</a:t>
             </a:fld>
             <a:endParaRPr lang="en-US" dirty="0"/>
           </a:p>
@@ -3292,7 +3294,7 @@
             <a:fld id="{87DE6118-2437-4B30-8E3C-4D2BE6020583}" type="datetimeFigureOut">
               <a:rPr lang="en-US" dirty="0"/>
               <a:pPr/>
-              <a:t>5/10/2023</a:t>
+              <a:t>5/11/2023</a:t>
             </a:fld>
             <a:endParaRPr lang="en-US" dirty="0"/>
           </a:p>
@@ -3843,7 +3845,7 @@
         <p:push/>
       </p:transition>
     </mc:Choice>
-    <mc:Fallback xmlns:dsp="http://schemas.microsoft.com/office/drawing/2008/diagram" xmlns:dgm="http://schemas.openxmlformats.org/drawingml/2006/diagram" xmlns:c="http://schemas.openxmlformats.org/drawingml/2006/chart" xmlns="">
+    <mc:Fallback xmlns="" xmlns:c="http://schemas.openxmlformats.org/drawingml/2006/chart" xmlns:dgm="http://schemas.openxmlformats.org/drawingml/2006/diagram" xmlns:dsp="http://schemas.microsoft.com/office/drawing/2008/diagram">
       <p:transition xmlns:mc="http://schemas.openxmlformats.org/markup-compatibility/2006" xmlns:hp="http://schemas.haansoft.com/office/presentation/8.0" spd="med" mc:Ignorable="hp" hp:hslDur="1000">
         <p:fade/>
       </p:transition>
@@ -3954,8 +3956,8 @@
         </p:nvSpPr>
         <p:spPr>
           <a:xfrm>
-            <a:off x="710268" y="455802"/>
-            <a:ext cx="7562676" cy="978716"/>
+            <a:off x="727046" y="329968"/>
+            <a:ext cx="8735736" cy="978716"/>
           </a:xfrm>
           <a:prstGeom prst="rect">
             <a:avLst/>
@@ -3986,147 +3988,161 @@
           </a:lstStyle>
           <a:p>
             <a:r>
-              <a:rPr lang="en-US" altLang="ko-KR" sz="4900" kern="0" dirty="0">
+              <a:rPr lang="ko-KR" altLang="en-US" sz="4900" kern="0" dirty="0">
                 <a:solidFill>
                   <a:srgbClr val="000000"/>
                 </a:solidFill>
                 <a:latin typeface="한컴바탕"/>
               </a:rPr>
-              <a:t>SW </a:t>
-            </a:r>
-            <a:r>
-              <a:rPr lang="ko-KR" altLang="en-US" sz="4900" kern="0" dirty="0">
+              <a:t>왜 필요 한가</a:t>
+            </a:r>
+            <a:r>
+              <a:rPr lang="en-US" altLang="ko-KR" sz="4900" kern="0" dirty="0">
                 <a:solidFill>
                   <a:srgbClr val="000000"/>
                 </a:solidFill>
                 <a:latin typeface="한컴바탕"/>
               </a:rPr>
-              <a:t>로 문제를 해결한 예</a:t>
+              <a:t>?</a:t>
             </a:r>
             <a:endParaRPr lang="ko-KR" altLang="en-US" dirty="0"/>
           </a:p>
         </p:txBody>
       </p:sp>
-      <p:sp>
-        <p:nvSpPr>
-          <p:cNvPr id="2" name="제목 3">
+      <p:pic>
+        <p:nvPicPr>
+          <p:cNvPr id="4" name="그림 3">
             <a:extLst>
               <a:ext uri="{FF2B5EF4-FFF2-40B4-BE49-F238E27FC236}">
-                <a16:creationId xmlns:a16="http://schemas.microsoft.com/office/drawing/2014/main" id="{95CABADF-4C59-AC7B-FB42-3EA15A2B97CB}"/>
+                <a16:creationId xmlns:a16="http://schemas.microsoft.com/office/drawing/2014/main" id="{26B17419-8B6B-1062-F202-E7AF612D2F6E}"/>
               </a:ext>
             </a:extLst>
           </p:cNvPr>
-          <p:cNvSpPr txBox="1">
-            <a:spLocks/>
-          </p:cNvSpPr>
+          <p:cNvPicPr>
+            <a:picLocks noChangeAspect="1"/>
+          </p:cNvPicPr>
           <p:nvPr/>
-        </p:nvSpPr>
-        <p:spPr>
-          <a:xfrm>
-            <a:off x="1476463" y="2939642"/>
-            <a:ext cx="10435904" cy="1363910"/>
+        </p:nvPicPr>
+        <p:blipFill>
+          <a:blip r:embed="rId2"/>
+          <a:stretch>
+            <a:fillRect/>
+          </a:stretch>
+        </p:blipFill>
+        <p:spPr>
+          <a:xfrm>
+            <a:off x="5006138" y="1510341"/>
+            <a:ext cx="7051639" cy="4441755"/>
           </a:xfrm>
           <a:prstGeom prst="rect">
             <a:avLst/>
           </a:prstGeom>
         </p:spPr>
-        <p:txBody>
-          <a:bodyPr vert="horz" lIns="91440" tIns="45720" rIns="91440" bIns="45720" rtlCol="0" anchor="t">
-            <a:noAutofit/>
+      </p:pic>
+      <p:sp>
+        <p:nvSpPr>
+          <p:cNvPr id="9" name="TextBox 8">
+            <a:extLst>
+              <a:ext uri="{FF2B5EF4-FFF2-40B4-BE49-F238E27FC236}">
+                <a16:creationId xmlns:a16="http://schemas.microsoft.com/office/drawing/2014/main" id="{2BF43741-25BF-903E-AD15-1101312FE7C6}"/>
+              </a:ext>
+            </a:extLst>
+          </p:cNvPr>
+          <p:cNvSpPr txBox="1"/>
+          <p:nvPr/>
+        </p:nvSpPr>
+        <p:spPr>
+          <a:xfrm>
+            <a:off x="727046" y="2300057"/>
+            <a:ext cx="4279092" cy="2862322"/>
+          </a:xfrm>
+          <a:prstGeom prst="rect">
+            <a:avLst/>
+          </a:prstGeom>
+          <a:noFill/>
+        </p:spPr>
+        <p:txBody>
+          <a:bodyPr wrap="square" rtlCol="0">
+            <a:spAutoFit/>
           </a:bodyPr>
-          <a:lstStyle>
-            <a:lvl1pPr algn="l" defTabSz="914400" rtl="0" eaLnBrk="1" latinLnBrk="1" hangingPunct="1">
-              <a:lnSpc>
-                <a:spcPct val="89000"/>
-              </a:lnSpc>
-              <a:spcBef>
-                <a:spcPct val="0"/>
-              </a:spcBef>
-              <a:buNone/>
-              <a:defRPr sz="4400" kern="1200" baseline="0">
-                <a:solidFill>
-                  <a:schemeClr val="tx2"/>
-                </a:solidFill>
-                <a:latin typeface="+mj-lt"/>
-                <a:ea typeface="+mj-ea"/>
-                <a:cs typeface="+mj-cs"/>
-              </a:defRPr>
-            </a:lvl1pPr>
-          </a:lstStyle>
-          <a:p>
-            <a:pPr marL="742950" indent="-742950">
-              <a:buAutoNum type="arabicPeriod"/>
-            </a:pPr>
-            <a:r>
-              <a:rPr lang="ko-KR" altLang="en-US" sz="2800" b="0" i="0" dirty="0" err="1">
-                <a:solidFill>
-                  <a:srgbClr val="040C28"/>
-                </a:solidFill>
-                <a:effectLst/>
-                <a:latin typeface="Apple SD Gothic Neo"/>
-              </a:rPr>
-              <a:t>드론</a:t>
-            </a:r>
-            <a:r>
-              <a:rPr lang="ko-KR" altLang="en-US" sz="2800" b="0" i="0" dirty="0">
-                <a:solidFill>
-                  <a:srgbClr val="040C28"/>
-                </a:solidFill>
-                <a:effectLst/>
-                <a:latin typeface="Apple SD Gothic Neo"/>
-              </a:rPr>
-              <a:t> 배송을 활용해 택배 업무 가중을 줄이는 기술</a:t>
-            </a:r>
-            <a:endParaRPr lang="en-US" altLang="ko-KR" sz="2800" b="0" i="0" dirty="0">
-              <a:solidFill>
-                <a:srgbClr val="040C28"/>
-              </a:solidFill>
-              <a:effectLst/>
-              <a:latin typeface="Apple SD Gothic Neo"/>
-            </a:endParaRPr>
-          </a:p>
-          <a:p>
-            <a:pPr marL="742950" indent="-742950">
-              <a:buAutoNum type="arabicPeriod"/>
-            </a:pPr>
-            <a:r>
-              <a:rPr lang="ko-KR" altLang="en-US" sz="2800" b="0" i="0" dirty="0">
-                <a:solidFill>
-                  <a:srgbClr val="040C28"/>
-                </a:solidFill>
-                <a:effectLst/>
-                <a:latin typeface="Apple SD Gothic Neo"/>
-              </a:rPr>
-              <a:t>소방대원의 안전 확보를 위한 위치확인 기술</a:t>
-            </a:r>
-            <a:endParaRPr lang="en-US" altLang="ko-KR" sz="2800" b="0" i="0" dirty="0">
-              <a:solidFill>
-                <a:srgbClr val="040C28"/>
-              </a:solidFill>
-              <a:effectLst/>
-              <a:latin typeface="Apple SD Gothic Neo"/>
-            </a:endParaRPr>
-          </a:p>
-          <a:p>
-            <a:pPr marL="742950" indent="-742950">
-              <a:buAutoNum type="arabicPeriod"/>
-            </a:pPr>
-            <a:r>
-              <a:rPr lang="ko-KR" altLang="en-US" sz="2800" dirty="0"/>
-              <a:t>버스 </a:t>
-            </a:r>
-            <a:r>
-              <a:rPr lang="ko-KR" altLang="en-US" sz="2800" dirty="0" err="1"/>
-              <a:t>시간앱</a:t>
-            </a:r>
-            <a:endParaRPr lang="ko-KR" altLang="en-US" sz="2800" dirty="0"/>
+          <a:lstStyle/>
+          <a:p>
+            <a:r>
+              <a:rPr lang="ko-KR" altLang="en-US" dirty="0"/>
+              <a:t>각 지자체와 기업 에서는 다양한 </a:t>
+            </a:r>
+            <a:endParaRPr lang="en-US" altLang="ko-KR" dirty="0"/>
+          </a:p>
+          <a:p>
+            <a:r>
+              <a:rPr lang="en-US" altLang="ko-KR" dirty="0"/>
+              <a:t>API </a:t>
+            </a:r>
+            <a:r>
+              <a:rPr lang="ko-KR" altLang="en-US" dirty="0"/>
+              <a:t>들을 제공해주고 있다</a:t>
+            </a:r>
+            <a:r>
+              <a:rPr lang="en-US" altLang="ko-KR" dirty="0"/>
+              <a:t>. </a:t>
+            </a:r>
+          </a:p>
+          <a:p>
+            <a:endParaRPr lang="en-US" altLang="ko-KR" dirty="0"/>
+          </a:p>
+          <a:p>
+            <a:r>
+              <a:rPr lang="ko-KR" altLang="en-US" dirty="0"/>
+              <a:t>하지만 제공만 </a:t>
+            </a:r>
+            <a:r>
+              <a:rPr lang="ko-KR" altLang="en-US" dirty="0" err="1"/>
+              <a:t>될뿐</a:t>
+            </a:r>
+            <a:r>
+              <a:rPr lang="ko-KR" altLang="en-US" dirty="0"/>
+              <a:t> 이런 데이터가 있다는 사실을 모르는 사람들이 많다</a:t>
+            </a:r>
+            <a:r>
+              <a:rPr lang="en-US" altLang="ko-KR" dirty="0"/>
+              <a:t>.</a:t>
+            </a:r>
+          </a:p>
+          <a:p>
+            <a:endParaRPr lang="en-US" altLang="ko-KR" dirty="0"/>
+          </a:p>
+          <a:p>
+            <a:r>
+              <a:rPr lang="ko-KR" altLang="en-US" dirty="0"/>
+              <a:t>따라서 데이터들을 활용해서 우리의 실 생활에 도움이 </a:t>
+            </a:r>
+            <a:r>
+              <a:rPr lang="ko-KR" altLang="en-US" dirty="0" err="1"/>
+              <a:t>될수</a:t>
+            </a:r>
+            <a:r>
+              <a:rPr lang="ko-KR" altLang="en-US" dirty="0"/>
+              <a:t> 있는 서비스를 만든다면 생활을 더 편리하게 만들어 </a:t>
+            </a:r>
+            <a:r>
+              <a:rPr lang="ko-KR" altLang="en-US" dirty="0" err="1"/>
+              <a:t>줄수</a:t>
+            </a:r>
+            <a:r>
+              <a:rPr lang="ko-KR" altLang="en-US" dirty="0"/>
+              <a:t> 있다</a:t>
+            </a:r>
+            <a:r>
+              <a:rPr lang="en-US" altLang="ko-KR" dirty="0"/>
+              <a:t>.</a:t>
+            </a:r>
           </a:p>
         </p:txBody>
       </p:sp>
     </p:spTree>
     <p:extLst>
       <p:ext uri="{BB962C8B-B14F-4D97-AF65-F5344CB8AC3E}">
-        <p14:creationId xmlns:p14="http://schemas.microsoft.com/office/powerpoint/2010/main" val="1211425729"/>
+        <p14:creationId xmlns:p14="http://schemas.microsoft.com/office/powerpoint/2010/main" val="147120382"/>
       </p:ext>
     </p:extLst>
   </p:cSld>
@@ -4153,81 +4169,12 @@
           <a:chExt cx="0" cy="0"/>
         </a:xfrm>
       </p:grpSpPr>
-      <p:sp>
-        <p:nvSpPr>
-          <p:cNvPr id="5" name="제목 3">
+      <p:pic>
+        <p:nvPicPr>
+          <p:cNvPr id="4" name="그림 3">
             <a:extLst>
               <a:ext uri="{FF2B5EF4-FFF2-40B4-BE49-F238E27FC236}">
-                <a16:creationId xmlns:a16="http://schemas.microsoft.com/office/drawing/2014/main" id="{5CA63C4D-32E4-5B39-152C-4B37DB4766D3}"/>
-              </a:ext>
-            </a:extLst>
-          </p:cNvPr>
-          <p:cNvSpPr txBox="1">
-            <a:spLocks/>
-          </p:cNvSpPr>
-          <p:nvPr/>
-        </p:nvSpPr>
-        <p:spPr>
-          <a:xfrm>
-            <a:off x="710268" y="455802"/>
-            <a:ext cx="7562676" cy="978716"/>
-          </a:xfrm>
-          <a:prstGeom prst="rect">
-            <a:avLst/>
-          </a:prstGeom>
-        </p:spPr>
-        <p:txBody>
-          <a:bodyPr vert="horz" lIns="91440" tIns="45720" rIns="91440" bIns="45720" rtlCol="0" anchor="t">
-            <a:normAutofit fontScale="82500" lnSpcReduction="10000"/>
-          </a:bodyPr>
-          <a:lstStyle>
-            <a:lvl1pPr algn="l" defTabSz="914400" rtl="0" eaLnBrk="1" latinLnBrk="1" hangingPunct="1">
-              <a:lnSpc>
-                <a:spcPct val="89000"/>
-              </a:lnSpc>
-              <a:spcBef>
-                <a:spcPct val="0"/>
-              </a:spcBef>
-              <a:buNone/>
-              <a:defRPr sz="4400" kern="1200" baseline="0">
-                <a:solidFill>
-                  <a:schemeClr val="tx2"/>
-                </a:solidFill>
-                <a:latin typeface="+mj-lt"/>
-                <a:ea typeface="+mj-ea"/>
-                <a:cs typeface="+mj-cs"/>
-              </a:defRPr>
-            </a:lvl1pPr>
-          </a:lstStyle>
-          <a:p>
-            <a:r>
-              <a:rPr lang="en-US" altLang="ko-KR" sz="4900" kern="0" dirty="0">
-                <a:solidFill>
-                  <a:srgbClr val="000000"/>
-                </a:solidFill>
-                <a:latin typeface="한컴바탕"/>
-              </a:rPr>
-              <a:t>SW </a:t>
-            </a:r>
-            <a:r>
-              <a:rPr lang="ko-KR" altLang="en-US" sz="4900" kern="0" dirty="0">
-                <a:solidFill>
-                  <a:srgbClr val="000000"/>
-                </a:solidFill>
-                <a:latin typeface="한컴바탕"/>
-              </a:rPr>
-              <a:t>로 문제를 해결하고자 하는 예</a:t>
-            </a:r>
-            <a:endParaRPr lang="ko-KR" altLang="en-US" dirty="0"/>
-          </a:p>
-        </p:txBody>
-      </p:sp>
-      <p:pic>
-        <p:nvPicPr>
-          <p:cNvPr id="13" name="그림 12">
-            <a:extLst>
-              <a:ext uri="{FF2B5EF4-FFF2-40B4-BE49-F238E27FC236}">
-                <a16:creationId xmlns:a16="http://schemas.microsoft.com/office/drawing/2014/main" id="{CA46DF15-74F9-FF5E-B718-70C322A186C2}"/>
+                <a16:creationId xmlns:a16="http://schemas.microsoft.com/office/drawing/2014/main" id="{F56DE102-24E3-1C63-E84E-12A0C4797D1C}"/>
               </a:ext>
             </a:extLst>
           </p:cNvPr>
@@ -4244,20 +4191,205 @@
         </p:blipFill>
         <p:spPr>
           <a:xfrm>
-            <a:off x="1594389" y="2053643"/>
-            <a:ext cx="6486525" cy="1962150"/>
+            <a:off x="5020541" y="3301068"/>
+            <a:ext cx="6372225" cy="1819275"/>
           </a:xfrm>
           <a:prstGeom prst="rect">
             <a:avLst/>
           </a:prstGeom>
         </p:spPr>
       </p:pic>
+      <p:sp>
+        <p:nvSpPr>
+          <p:cNvPr id="5" name="제목 3">
+            <a:extLst>
+              <a:ext uri="{FF2B5EF4-FFF2-40B4-BE49-F238E27FC236}">
+                <a16:creationId xmlns:a16="http://schemas.microsoft.com/office/drawing/2014/main" id="{5CA63C4D-32E4-5B39-152C-4B37DB4766D3}"/>
+              </a:ext>
+            </a:extLst>
+          </p:cNvPr>
+          <p:cNvSpPr txBox="1">
+            <a:spLocks/>
+          </p:cNvSpPr>
+          <p:nvPr/>
+        </p:nvSpPr>
+        <p:spPr>
+          <a:xfrm>
+            <a:off x="710268" y="455802"/>
+            <a:ext cx="7562676" cy="978716"/>
+          </a:xfrm>
+          <a:prstGeom prst="rect">
+            <a:avLst/>
+          </a:prstGeom>
+        </p:spPr>
+        <p:txBody>
+          <a:bodyPr vert="horz" lIns="91440" tIns="45720" rIns="91440" bIns="45720" rtlCol="0" anchor="t">
+            <a:normAutofit fontScale="97500"/>
+          </a:bodyPr>
+          <a:lstStyle>
+            <a:lvl1pPr algn="l" defTabSz="914400" rtl="0" eaLnBrk="1" latinLnBrk="1" hangingPunct="1">
+              <a:lnSpc>
+                <a:spcPct val="89000"/>
+              </a:lnSpc>
+              <a:spcBef>
+                <a:spcPct val="0"/>
+              </a:spcBef>
+              <a:buNone/>
+              <a:defRPr sz="4400" kern="1200" baseline="0">
+                <a:solidFill>
+                  <a:schemeClr val="tx2"/>
+                </a:solidFill>
+                <a:latin typeface="+mj-lt"/>
+                <a:ea typeface="+mj-ea"/>
+                <a:cs typeface="+mj-cs"/>
+              </a:defRPr>
+            </a:lvl1pPr>
+          </a:lstStyle>
+          <a:p>
+            <a:r>
+              <a:rPr lang="en-US" altLang="ko-KR" sz="4900" kern="0" dirty="0">
+                <a:solidFill>
+                  <a:srgbClr val="000000"/>
+                </a:solidFill>
+                <a:latin typeface="한컴바탕"/>
+              </a:rPr>
+              <a:t>SW </a:t>
+            </a:r>
+            <a:r>
+              <a:rPr lang="ko-KR" altLang="en-US" sz="4900" kern="0" dirty="0">
+                <a:solidFill>
+                  <a:srgbClr val="000000"/>
+                </a:solidFill>
+                <a:latin typeface="한컴바탕"/>
+              </a:rPr>
+              <a:t>로 문제를 해결한 예</a:t>
+            </a:r>
+            <a:endParaRPr lang="ko-KR" altLang="en-US" dirty="0"/>
+          </a:p>
+        </p:txBody>
+      </p:sp>
+      <p:sp>
+        <p:nvSpPr>
+          <p:cNvPr id="2" name="제목 3">
+            <a:extLst>
+              <a:ext uri="{FF2B5EF4-FFF2-40B4-BE49-F238E27FC236}">
+                <a16:creationId xmlns:a16="http://schemas.microsoft.com/office/drawing/2014/main" id="{95CABADF-4C59-AC7B-FB42-3EA15A2B97CB}"/>
+              </a:ext>
+            </a:extLst>
+          </p:cNvPr>
+          <p:cNvSpPr txBox="1">
+            <a:spLocks/>
+          </p:cNvSpPr>
+          <p:nvPr/>
+        </p:nvSpPr>
+        <p:spPr>
+          <a:xfrm>
+            <a:off x="1144880" y="4858973"/>
+            <a:ext cx="8791662" cy="1363910"/>
+          </a:xfrm>
+          <a:prstGeom prst="rect">
+            <a:avLst/>
+          </a:prstGeom>
+        </p:spPr>
+        <p:txBody>
+          <a:bodyPr vert="horz" lIns="91440" tIns="45720" rIns="91440" bIns="45720" rtlCol="0" anchor="t">
+            <a:noAutofit/>
+          </a:bodyPr>
+          <a:lstStyle>
+            <a:lvl1pPr algn="l" defTabSz="914400" rtl="0" eaLnBrk="1" latinLnBrk="1" hangingPunct="1">
+              <a:lnSpc>
+                <a:spcPct val="89000"/>
+              </a:lnSpc>
+              <a:spcBef>
+                <a:spcPct val="0"/>
+              </a:spcBef>
+              <a:buNone/>
+              <a:defRPr sz="4400" kern="1200" baseline="0">
+                <a:solidFill>
+                  <a:schemeClr val="tx2"/>
+                </a:solidFill>
+                <a:latin typeface="+mj-lt"/>
+                <a:ea typeface="+mj-ea"/>
+                <a:cs typeface="+mj-cs"/>
+              </a:defRPr>
+            </a:lvl1pPr>
+          </a:lstStyle>
+          <a:p>
+            <a:pPr marL="742950" indent="-742950">
+              <a:buAutoNum type="arabicPeriod"/>
+            </a:pPr>
+            <a:r>
+              <a:rPr lang="ko-KR" altLang="en-US" sz="2800" b="0" i="0" dirty="0" err="1">
+                <a:solidFill>
+                  <a:srgbClr val="040C28"/>
+                </a:solidFill>
+                <a:effectLst/>
+                <a:latin typeface="Apple SD Gothic Neo"/>
+              </a:rPr>
+              <a:t>드론</a:t>
+            </a:r>
+            <a:r>
+              <a:rPr lang="ko-KR" altLang="en-US" sz="2800" b="0" i="0" dirty="0">
+                <a:solidFill>
+                  <a:srgbClr val="040C28"/>
+                </a:solidFill>
+                <a:effectLst/>
+                <a:latin typeface="Apple SD Gothic Neo"/>
+              </a:rPr>
+              <a:t> 배송을 활용해 택배 업무 가중을 줄이는 기술</a:t>
+            </a:r>
+            <a:endParaRPr lang="en-US" altLang="ko-KR" sz="2800" b="0" i="0" dirty="0">
+              <a:solidFill>
+                <a:srgbClr val="040C28"/>
+              </a:solidFill>
+              <a:effectLst/>
+              <a:latin typeface="Apple SD Gothic Neo"/>
+            </a:endParaRPr>
+          </a:p>
+          <a:p>
+            <a:pPr marL="742950" indent="-742950">
+              <a:buAutoNum type="arabicPeriod"/>
+            </a:pPr>
+            <a:r>
+              <a:rPr lang="ko-KR" altLang="en-US" sz="2800" b="0" i="0" dirty="0">
+                <a:solidFill>
+                  <a:srgbClr val="040C28"/>
+                </a:solidFill>
+                <a:effectLst/>
+                <a:latin typeface="Apple SD Gothic Neo"/>
+              </a:rPr>
+              <a:t>소방대원의 안전 확보를 위한 위치확인 기술</a:t>
+            </a:r>
+            <a:endParaRPr lang="en-US" altLang="ko-KR" sz="2800" b="0" i="0" dirty="0">
+              <a:solidFill>
+                <a:srgbClr val="040C28"/>
+              </a:solidFill>
+              <a:effectLst/>
+              <a:latin typeface="Apple SD Gothic Neo"/>
+            </a:endParaRPr>
+          </a:p>
+          <a:p>
+            <a:pPr marL="742950" indent="-742950">
+              <a:buAutoNum type="arabicPeriod"/>
+            </a:pPr>
+            <a:r>
+              <a:rPr lang="ko-KR" altLang="en-US" sz="2800" dirty="0"/>
+              <a:t>버스 </a:t>
+            </a:r>
+            <a:r>
+              <a:rPr lang="ko-KR" altLang="en-US" sz="2800" dirty="0" err="1"/>
+              <a:t>시간앱</a:t>
+            </a:r>
+            <a:endParaRPr lang="ko-KR" altLang="en-US" sz="2800" dirty="0"/>
+          </a:p>
+        </p:txBody>
+      </p:sp>
       <p:pic>
         <p:nvPicPr>
-          <p:cNvPr id="15" name="그림 14">
+          <p:cNvPr id="3" name="그림 2">
             <a:extLst>
               <a:ext uri="{FF2B5EF4-FFF2-40B4-BE49-F238E27FC236}">
-                <a16:creationId xmlns:a16="http://schemas.microsoft.com/office/drawing/2014/main" id="{AC8F354C-DE91-B837-D5CF-247CA318799C}"/>
+                <a16:creationId xmlns:a16="http://schemas.microsoft.com/office/drawing/2014/main" id="{79F3E53E-3969-E921-7514-F31EE5CE4889}"/>
               </a:ext>
             </a:extLst>
           </p:cNvPr>
@@ -4274,8 +4406,8 @@
         </p:blipFill>
         <p:spPr>
           <a:xfrm>
-            <a:off x="4030639" y="4301028"/>
-            <a:ext cx="6372225" cy="1819275"/>
+            <a:off x="1074272" y="1434518"/>
+            <a:ext cx="6486525" cy="1962150"/>
           </a:xfrm>
           <a:prstGeom prst="rect">
             <a:avLst/>
@@ -4285,7 +4417,7 @@
     </p:spTree>
     <p:extLst>
       <p:ext uri="{BB962C8B-B14F-4D97-AF65-F5344CB8AC3E}">
-        <p14:creationId xmlns:p14="http://schemas.microsoft.com/office/powerpoint/2010/main" val="934199653"/>
+        <p14:creationId xmlns:p14="http://schemas.microsoft.com/office/powerpoint/2010/main" val="1211425729"/>
       </p:ext>
     </p:extLst>
   </p:cSld>
@@ -4328,8 +4460,8 @@
         </p:nvSpPr>
         <p:spPr>
           <a:xfrm>
-            <a:off x="710268" y="455802"/>
-            <a:ext cx="7562676" cy="978716"/>
+            <a:off x="727046" y="329968"/>
+            <a:ext cx="8735736" cy="978716"/>
           </a:xfrm>
           <a:prstGeom prst="rect">
             <a:avLst/>
@@ -4337,7 +4469,7 @@
         </p:spPr>
         <p:txBody>
           <a:bodyPr vert="horz" lIns="91440" tIns="45720" rIns="91440" bIns="45720" rtlCol="0" anchor="t">
-            <a:normAutofit fontScale="82500" lnSpcReduction="10000"/>
+            <a:normAutofit fontScale="97500"/>
           </a:bodyPr>
           <a:lstStyle>
             <a:lvl1pPr algn="l" defTabSz="914400" rtl="0" eaLnBrk="1" latinLnBrk="1" hangingPunct="1">
@@ -4360,24 +4492,285 @@
           </a:lstStyle>
           <a:p>
             <a:r>
-              <a:rPr lang="en-US" altLang="ko-KR" sz="4900" kern="0" dirty="0">
+              <a:rPr lang="ko-KR" altLang="en-US" sz="4900" kern="0" dirty="0">
                 <a:solidFill>
                   <a:srgbClr val="000000"/>
                 </a:solidFill>
                 <a:latin typeface="한컴바탕"/>
               </a:rPr>
-              <a:t>SW </a:t>
-            </a:r>
-            <a:r>
-              <a:rPr lang="ko-KR" altLang="en-US" sz="4900" kern="0" dirty="0">
+              <a:t>문제를 </a:t>
+            </a:r>
+            <a:r>
+              <a:rPr lang="ko-KR" altLang="en-US" sz="4900" kern="0" dirty="0" err="1">
                 <a:solidFill>
                   <a:srgbClr val="000000"/>
                 </a:solidFill>
                 <a:latin typeface="한컴바탕"/>
               </a:rPr>
-              <a:t>로 문제를 해결하고자 하는 예</a:t>
+              <a:t>해결하고자하는</a:t>
+            </a:r>
+            <a:r>
+              <a:rPr lang="ko-KR" altLang="en-US" sz="4900" kern="0" dirty="0">
+                <a:solidFill>
+                  <a:srgbClr val="000000"/>
+                </a:solidFill>
+                <a:latin typeface="한컴바탕"/>
+              </a:rPr>
+              <a:t> 노력</a:t>
             </a:r>
             <a:endParaRPr lang="ko-KR" altLang="en-US" dirty="0"/>
+          </a:p>
+        </p:txBody>
+      </p:sp>
+      <p:sp>
+        <p:nvSpPr>
+          <p:cNvPr id="9" name="TextBox 8">
+            <a:extLst>
+              <a:ext uri="{FF2B5EF4-FFF2-40B4-BE49-F238E27FC236}">
+                <a16:creationId xmlns:a16="http://schemas.microsoft.com/office/drawing/2014/main" id="{2BF43741-25BF-903E-AD15-1101312FE7C6}"/>
+              </a:ext>
+            </a:extLst>
+          </p:cNvPr>
+          <p:cNvSpPr txBox="1"/>
+          <p:nvPr/>
+        </p:nvSpPr>
+        <p:spPr>
+          <a:xfrm>
+            <a:off x="1223747" y="4514915"/>
+            <a:ext cx="3704860" cy="1200329"/>
+          </a:xfrm>
+          <a:prstGeom prst="rect">
+            <a:avLst/>
+          </a:prstGeom>
+          <a:noFill/>
+        </p:spPr>
+        <p:txBody>
+          <a:bodyPr wrap="none" rtlCol="0">
+            <a:spAutoFit/>
+          </a:bodyPr>
+          <a:lstStyle/>
+          <a:p>
+            <a:r>
+              <a:rPr lang="ko-KR" altLang="en-US" dirty="0"/>
+              <a:t>각 지자체와 기업 에서는 다양한 </a:t>
+            </a:r>
+            <a:endParaRPr lang="en-US" altLang="ko-KR" dirty="0"/>
+          </a:p>
+          <a:p>
+            <a:r>
+              <a:rPr lang="en-US" altLang="ko-KR" dirty="0"/>
+              <a:t>API </a:t>
+            </a:r>
+            <a:r>
+              <a:rPr lang="ko-KR" altLang="en-US" dirty="0"/>
+              <a:t>들을 제공해주고 있다</a:t>
+            </a:r>
+            <a:r>
+              <a:rPr lang="en-US" altLang="ko-KR" dirty="0"/>
+              <a:t>.</a:t>
+            </a:r>
+            <a:r>
+              <a:rPr lang="ko-KR" altLang="en-US" dirty="0"/>
+              <a:t> </a:t>
+            </a:r>
+            <a:endParaRPr lang="en-US" altLang="ko-KR" dirty="0"/>
+          </a:p>
+          <a:p>
+            <a:r>
+              <a:rPr lang="ko-KR" altLang="en-US" dirty="0"/>
+              <a:t>우리는 이런 데이터 들을 이용해서 </a:t>
+            </a:r>
+            <a:endParaRPr lang="en-US" altLang="ko-KR" dirty="0"/>
+          </a:p>
+          <a:p>
+            <a:r>
+              <a:rPr lang="ko-KR" altLang="en-US" dirty="0"/>
+              <a:t>여러 서비스</a:t>
+            </a:r>
+            <a:r>
+              <a:rPr lang="en-US" altLang="ko-KR" dirty="0"/>
+              <a:t> </a:t>
+            </a:r>
+            <a:r>
+              <a:rPr lang="ko-KR" altLang="en-US" dirty="0" err="1"/>
+              <a:t>개발할수</a:t>
+            </a:r>
+            <a:r>
+              <a:rPr lang="ko-KR" altLang="en-US" dirty="0"/>
+              <a:t> 있다</a:t>
+            </a:r>
+            <a:r>
+              <a:rPr lang="en-US" altLang="ko-KR" dirty="0"/>
+              <a:t>.</a:t>
+            </a:r>
+            <a:endParaRPr lang="ko-KR" altLang="en-US" dirty="0"/>
+          </a:p>
+        </p:txBody>
+      </p:sp>
+      <p:pic>
+        <p:nvPicPr>
+          <p:cNvPr id="14" name="그림 13">
+            <a:extLst>
+              <a:ext uri="{FF2B5EF4-FFF2-40B4-BE49-F238E27FC236}">
+                <a16:creationId xmlns:a16="http://schemas.microsoft.com/office/drawing/2014/main" id="{6D8C3F34-5485-73FB-E872-B90A04129439}"/>
+              </a:ext>
+            </a:extLst>
+          </p:cNvPr>
+          <p:cNvPicPr>
+            <a:picLocks noChangeAspect="1"/>
+          </p:cNvPicPr>
+          <p:nvPr/>
+        </p:nvPicPr>
+        <p:blipFill rotWithShape="1">
+          <a:blip r:embed="rId2"/>
+          <a:srcRect l="37612" t="12293" r="39862" b="23853"/>
+          <a:stretch/>
+        </p:blipFill>
+        <p:spPr>
+          <a:xfrm>
+            <a:off x="2167864" y="1308684"/>
+            <a:ext cx="5152930" cy="2738860"/>
+          </a:xfrm>
+          <a:prstGeom prst="rect">
+            <a:avLst/>
+          </a:prstGeom>
+        </p:spPr>
+      </p:pic>
+      <p:pic>
+        <p:nvPicPr>
+          <p:cNvPr id="4" name="그림 3">
+            <a:extLst>
+              <a:ext uri="{FF2B5EF4-FFF2-40B4-BE49-F238E27FC236}">
+                <a16:creationId xmlns:a16="http://schemas.microsoft.com/office/drawing/2014/main" id="{26B17419-8B6B-1062-F202-E7AF612D2F6E}"/>
+              </a:ext>
+            </a:extLst>
+          </p:cNvPr>
+          <p:cNvPicPr>
+            <a:picLocks noChangeAspect="1"/>
+          </p:cNvPicPr>
+          <p:nvPr/>
+        </p:nvPicPr>
+        <p:blipFill>
+          <a:blip r:embed="rId3"/>
+          <a:stretch>
+            <a:fillRect/>
+          </a:stretch>
+        </p:blipFill>
+        <p:spPr>
+          <a:xfrm>
+            <a:off x="5815323" y="3131251"/>
+            <a:ext cx="5152930" cy="3245778"/>
+          </a:xfrm>
+          <a:prstGeom prst="rect">
+            <a:avLst/>
+          </a:prstGeom>
+        </p:spPr>
+      </p:pic>
+    </p:spTree>
+    <p:extLst>
+      <p:ext uri="{BB962C8B-B14F-4D97-AF65-F5344CB8AC3E}">
+        <p14:creationId xmlns:p14="http://schemas.microsoft.com/office/powerpoint/2010/main" val="2444008630"/>
+      </p:ext>
+    </p:extLst>
+  </p:cSld>
+  <p:clrMapOvr>
+    <a:masterClrMapping/>
+  </p:clrMapOvr>
+</p:sld>
+</file>
+
+<file path=ppt/slides/slide6.xml><?xml version="1.0" encoding="utf-8"?>
+<p:sld xmlns:a="http://schemas.openxmlformats.org/drawingml/2006/main" xmlns:r="http://schemas.openxmlformats.org/officeDocument/2006/relationships" xmlns:p="http://schemas.openxmlformats.org/presentationml/2006/main">
+  <p:cSld>
+    <p:spTree>
+      <p:nvGrpSpPr>
+        <p:cNvPr id="1" name=""/>
+        <p:cNvGrpSpPr/>
+        <p:nvPr/>
+      </p:nvGrpSpPr>
+      <p:grpSpPr>
+        <a:xfrm>
+          <a:off x="0" y="0"/>
+          <a:ext cx="0" cy="0"/>
+          <a:chOff x="0" y="0"/>
+          <a:chExt cx="0" cy="0"/>
+        </a:xfrm>
+      </p:grpSpPr>
+      <p:sp>
+        <p:nvSpPr>
+          <p:cNvPr id="5" name="제목 3">
+            <a:extLst>
+              <a:ext uri="{FF2B5EF4-FFF2-40B4-BE49-F238E27FC236}">
+                <a16:creationId xmlns:a16="http://schemas.microsoft.com/office/drawing/2014/main" id="{5CA63C4D-32E4-5B39-152C-4B37DB4766D3}"/>
+              </a:ext>
+            </a:extLst>
+          </p:cNvPr>
+          <p:cNvSpPr txBox="1">
+            <a:spLocks/>
+          </p:cNvSpPr>
+          <p:nvPr/>
+        </p:nvSpPr>
+        <p:spPr>
+          <a:xfrm>
+            <a:off x="735435" y="267718"/>
+            <a:ext cx="7562676" cy="978716"/>
+          </a:xfrm>
+          <a:prstGeom prst="rect">
+            <a:avLst/>
+          </a:prstGeom>
+        </p:spPr>
+        <p:txBody>
+          <a:bodyPr vert="horz" lIns="91440" tIns="45720" rIns="91440" bIns="45720" rtlCol="0" anchor="t">
+            <a:normAutofit fontScale="90000"/>
+          </a:bodyPr>
+          <a:lstStyle>
+            <a:lvl1pPr algn="l" defTabSz="914400" rtl="0" eaLnBrk="1" latinLnBrk="1" hangingPunct="1">
+              <a:lnSpc>
+                <a:spcPct val="89000"/>
+              </a:lnSpc>
+              <a:spcBef>
+                <a:spcPct val="0"/>
+              </a:spcBef>
+              <a:buNone/>
+              <a:defRPr sz="4400" kern="1200" baseline="0">
+                <a:solidFill>
+                  <a:schemeClr val="tx2"/>
+                </a:solidFill>
+                <a:latin typeface="+mj-lt"/>
+                <a:ea typeface="+mj-ea"/>
+                <a:cs typeface="+mj-cs"/>
+              </a:defRPr>
+            </a:lvl1pPr>
+          </a:lstStyle>
+          <a:p>
+            <a:r>
+              <a:rPr lang="ko-KR" altLang="en-US" sz="4900" kern="0" dirty="0">
+                <a:solidFill>
+                  <a:srgbClr val="000000"/>
+                </a:solidFill>
+                <a:latin typeface="한컴바탕"/>
+              </a:rPr>
+              <a:t>문제를 </a:t>
+            </a:r>
+            <a:r>
+              <a:rPr lang="ko-KR" altLang="en-US" sz="4900" kern="0" dirty="0" err="1">
+                <a:solidFill>
+                  <a:srgbClr val="000000"/>
+                </a:solidFill>
+                <a:latin typeface="한컴바탕"/>
+              </a:rPr>
+              <a:t>해결하고자하는</a:t>
+            </a:r>
+            <a:r>
+              <a:rPr lang="ko-KR" altLang="en-US" sz="4900" kern="0" dirty="0">
+                <a:solidFill>
+                  <a:srgbClr val="000000"/>
+                </a:solidFill>
+                <a:latin typeface="한컴바탕"/>
+              </a:rPr>
+              <a:t> 노력</a:t>
+            </a:r>
+            <a:endParaRPr lang="ko-KR" altLang="en-US" sz="2400" dirty="0"/>
           </a:p>
         </p:txBody>
       </p:sp>
@@ -4505,6 +4898,224 @@
     <p:extLst>
       <p:ext uri="{BB962C8B-B14F-4D97-AF65-F5344CB8AC3E}">
         <p14:creationId xmlns:p14="http://schemas.microsoft.com/office/powerpoint/2010/main" val="1109227776"/>
+      </p:ext>
+    </p:extLst>
+  </p:cSld>
+  <p:clrMapOvr>
+    <a:masterClrMapping/>
+  </p:clrMapOvr>
+</p:sld>
+</file>
+
+<file path=ppt/slides/slide7.xml><?xml version="1.0" encoding="utf-8"?>
+<p:sld xmlns:a="http://schemas.openxmlformats.org/drawingml/2006/main" xmlns:r="http://schemas.openxmlformats.org/officeDocument/2006/relationships" xmlns:p="http://schemas.openxmlformats.org/presentationml/2006/main">
+  <p:cSld>
+    <p:spTree>
+      <p:nvGrpSpPr>
+        <p:cNvPr id="1" name=""/>
+        <p:cNvGrpSpPr/>
+        <p:nvPr/>
+      </p:nvGrpSpPr>
+      <p:grpSpPr>
+        <a:xfrm>
+          <a:off x="0" y="0"/>
+          <a:ext cx="0" cy="0"/>
+          <a:chOff x="0" y="0"/>
+          <a:chExt cx="0" cy="0"/>
+        </a:xfrm>
+      </p:grpSpPr>
+      <p:sp>
+        <p:nvSpPr>
+          <p:cNvPr id="5" name="제목 3">
+            <a:extLst>
+              <a:ext uri="{FF2B5EF4-FFF2-40B4-BE49-F238E27FC236}">
+                <a16:creationId xmlns:a16="http://schemas.microsoft.com/office/drawing/2014/main" id="{5CA63C4D-32E4-5B39-152C-4B37DB4766D3}"/>
+              </a:ext>
+            </a:extLst>
+          </p:cNvPr>
+          <p:cNvSpPr txBox="1">
+            <a:spLocks/>
+          </p:cNvSpPr>
+          <p:nvPr/>
+        </p:nvSpPr>
+        <p:spPr>
+          <a:xfrm>
+            <a:off x="735435" y="267718"/>
+            <a:ext cx="7562676" cy="978716"/>
+          </a:xfrm>
+          <a:prstGeom prst="rect">
+            <a:avLst/>
+          </a:prstGeom>
+        </p:spPr>
+        <p:txBody>
+          <a:bodyPr vert="horz" lIns="91440" tIns="45720" rIns="91440" bIns="45720" rtlCol="0" anchor="t">
+            <a:normAutofit fontScale="97500"/>
+          </a:bodyPr>
+          <a:lstStyle>
+            <a:lvl1pPr algn="l" defTabSz="914400" rtl="0" eaLnBrk="1" latinLnBrk="1" hangingPunct="1">
+              <a:lnSpc>
+                <a:spcPct val="89000"/>
+              </a:lnSpc>
+              <a:spcBef>
+                <a:spcPct val="0"/>
+              </a:spcBef>
+              <a:buNone/>
+              <a:defRPr sz="4400" kern="1200" baseline="0">
+                <a:solidFill>
+                  <a:schemeClr val="tx2"/>
+                </a:solidFill>
+                <a:latin typeface="+mj-lt"/>
+                <a:ea typeface="+mj-ea"/>
+                <a:cs typeface="+mj-cs"/>
+              </a:defRPr>
+            </a:lvl1pPr>
+          </a:lstStyle>
+          <a:p>
+            <a:r>
+              <a:rPr lang="ko-KR" altLang="en-US" sz="4900" kern="0" dirty="0">
+                <a:solidFill>
+                  <a:srgbClr val="000000"/>
+                </a:solidFill>
+                <a:latin typeface="한컴바탕"/>
+              </a:rPr>
+              <a:t>우리가 </a:t>
+            </a:r>
+            <a:r>
+              <a:rPr lang="ko-KR" altLang="en-US" sz="4900" kern="0" dirty="0" err="1">
+                <a:solidFill>
+                  <a:srgbClr val="000000"/>
+                </a:solidFill>
+                <a:latin typeface="한컴바탕"/>
+              </a:rPr>
+              <a:t>할수</a:t>
+            </a:r>
+            <a:r>
+              <a:rPr lang="ko-KR" altLang="en-US" sz="4900" kern="0" dirty="0">
+                <a:solidFill>
+                  <a:srgbClr val="000000"/>
+                </a:solidFill>
+                <a:latin typeface="한컴바탕"/>
+              </a:rPr>
+              <a:t> </a:t>
+            </a:r>
+            <a:r>
+              <a:rPr lang="ko-KR" altLang="en-US" sz="4900" kern="0" dirty="0" err="1">
+                <a:solidFill>
+                  <a:srgbClr val="000000"/>
+                </a:solidFill>
+                <a:latin typeface="한컴바탕"/>
+              </a:rPr>
+              <a:t>있는일</a:t>
+            </a:r>
+            <a:endParaRPr lang="ko-KR" altLang="en-US" sz="2400" dirty="0"/>
+          </a:p>
+        </p:txBody>
+      </p:sp>
+      <p:sp>
+        <p:nvSpPr>
+          <p:cNvPr id="2" name="제목 3">
+            <a:extLst>
+              <a:ext uri="{FF2B5EF4-FFF2-40B4-BE49-F238E27FC236}">
+                <a16:creationId xmlns:a16="http://schemas.microsoft.com/office/drawing/2014/main" id="{1542311D-C954-E23F-2BA1-617E4ADCB85E}"/>
+              </a:ext>
+            </a:extLst>
+          </p:cNvPr>
+          <p:cNvSpPr txBox="1">
+            <a:spLocks/>
+          </p:cNvSpPr>
+          <p:nvPr/>
+        </p:nvSpPr>
+        <p:spPr>
+          <a:xfrm>
+            <a:off x="1700169" y="2747045"/>
+            <a:ext cx="8791662" cy="1363910"/>
+          </a:xfrm>
+          <a:prstGeom prst="rect">
+            <a:avLst/>
+          </a:prstGeom>
+        </p:spPr>
+        <p:txBody>
+          <a:bodyPr vert="horz" lIns="91440" tIns="45720" rIns="91440" bIns="45720" rtlCol="0" anchor="t">
+            <a:noAutofit/>
+          </a:bodyPr>
+          <a:lstStyle>
+            <a:lvl1pPr algn="l" defTabSz="914400" rtl="0" eaLnBrk="1" latinLnBrk="1" hangingPunct="1">
+              <a:lnSpc>
+                <a:spcPct val="89000"/>
+              </a:lnSpc>
+              <a:spcBef>
+                <a:spcPct val="0"/>
+              </a:spcBef>
+              <a:buNone/>
+              <a:defRPr sz="4400" kern="1200" baseline="0">
+                <a:solidFill>
+                  <a:schemeClr val="tx2"/>
+                </a:solidFill>
+                <a:latin typeface="+mj-lt"/>
+                <a:ea typeface="+mj-ea"/>
+                <a:cs typeface="+mj-cs"/>
+              </a:defRPr>
+            </a:lvl1pPr>
+          </a:lstStyle>
+          <a:p>
+            <a:r>
+              <a:rPr lang="ko-KR" altLang="en-US" sz="2800" dirty="0"/>
+              <a:t>위 페이지 에서 </a:t>
+            </a:r>
+            <a:r>
+              <a:rPr lang="ko-KR" altLang="en-US" sz="2800" dirty="0" err="1"/>
+              <a:t>처럼</a:t>
+            </a:r>
+            <a:r>
+              <a:rPr lang="ko-KR" altLang="en-US" sz="2800" dirty="0"/>
+              <a:t> 각 지자체와 기업에서는  데이터 들을 </a:t>
+            </a:r>
+            <a:r>
+              <a:rPr lang="en-US" altLang="ko-KR" sz="2800" dirty="0"/>
+              <a:t>API </a:t>
+            </a:r>
+            <a:r>
+              <a:rPr lang="ko-KR" altLang="en-US" sz="2800" dirty="0"/>
+              <a:t>로 공개하고 있다</a:t>
+            </a:r>
+            <a:r>
+              <a:rPr lang="en-US" altLang="ko-KR" sz="2800" dirty="0"/>
+              <a:t>.</a:t>
+            </a:r>
+          </a:p>
+          <a:p>
+            <a:r>
+              <a:rPr lang="ko-KR" altLang="en-US" sz="2800" dirty="0"/>
+              <a:t>따라서 우리는 </a:t>
+            </a:r>
+            <a:r>
+              <a:rPr lang="ko-KR" altLang="en-US" sz="2800" dirty="0" err="1"/>
+              <a:t>무었을</a:t>
+            </a:r>
+            <a:r>
+              <a:rPr lang="ko-KR" altLang="en-US" sz="2800" dirty="0"/>
+              <a:t> </a:t>
+            </a:r>
+            <a:r>
+              <a:rPr lang="ko-KR" altLang="en-US" sz="2800" dirty="0" err="1"/>
+              <a:t>할수</a:t>
+            </a:r>
+            <a:r>
+              <a:rPr lang="ko-KR" altLang="en-US" sz="2800" dirty="0"/>
+              <a:t> 있을지 생각해 보자</a:t>
+            </a:r>
+            <a:r>
+              <a:rPr lang="en-US" altLang="ko-KR" sz="2800" dirty="0"/>
+              <a:t>.</a:t>
+            </a:r>
+            <a:endParaRPr lang="ko-KR" altLang="en-US" sz="2800" dirty="0"/>
+          </a:p>
+        </p:txBody>
+      </p:sp>
+    </p:spTree>
+    <p:extLst>
+      <p:ext uri="{BB962C8B-B14F-4D97-AF65-F5344CB8AC3E}">
+        <p14:creationId xmlns:p14="http://schemas.microsoft.com/office/powerpoint/2010/main" val="3403430883"/>
       </p:ext>
     </p:extLst>
   </p:cSld>
